--- a/Applied Cognitive Diagnostics/Curso Breve - FRP/Mis presentaciones/CB_Modulo-3 - FRP en Trabajo.pptx
+++ b/Applied Cognitive Diagnostics/Curso Breve - FRP/Mis presentaciones/CB_Modulo-3 - FRP en Trabajo.pptx
@@ -5,7 +5,7 @@
     <p:sldMasterId id="2147483648" r:id="rId1"/>
   </p:sldMasterIdLst>
   <p:notesMasterIdLst>
-    <p:notesMasterId r:id="rId11"/>
+    <p:notesMasterId r:id="rId12"/>
   </p:notesMasterIdLst>
   <p:sldIdLst>
     <p:sldId id="256" r:id="rId2"/>
@@ -16,7 +16,8 @@
     <p:sldId id="270" r:id="rId7"/>
     <p:sldId id="271" r:id="rId8"/>
     <p:sldId id="272" r:id="rId9"/>
-    <p:sldId id="258" r:id="rId10"/>
+    <p:sldId id="288" r:id="rId10"/>
+    <p:sldId id="258" r:id="rId11"/>
   </p:sldIdLst>
   <p:sldSz cx="9144000" cy="5143500" type="screen16x9"/>
   <p:notesSz cx="6858000" cy="9144000"/>
@@ -2155,16 +2156,16 @@
   </dgm:ptLst>
   <dgm:cxnLst>
     <dgm:cxn modelId="{62C26482-B81F-47BC-A528-A1417EF4CACF}" srcId="{28E38145-96D9-4993-B159-A84877B754AD}" destId="{9D000441-2510-44D4-944B-F979F4447398}" srcOrd="6" destOrd="0" parTransId="{7FB99A92-AE83-473B-B3FB-48640BDE7962}" sibTransId="{E1701DBB-36C5-46F1-B9E4-861001F9F805}"/>
+    <dgm:cxn modelId="{D16BAA03-7F3E-465D-AAE8-1E3B0A5B62AC}" type="presOf" srcId="{28E38145-96D9-4993-B159-A84877B754AD}" destId="{4873AC42-C336-AE47-8B4D-2F94024B8EBD}" srcOrd="0" destOrd="0" presId="urn:microsoft.com/office/officeart/2005/8/layout/bProcess4"/>
     <dgm:cxn modelId="{2B7848BE-1A2C-4A5C-86CE-C7D63C11FF56}" type="presOf" srcId="{EBE42135-A9C4-4EC7-A88A-32692E97CFBE}" destId="{4E385AA6-EA5A-9C4E-B7F9-1209BF5849A1}" srcOrd="0" destOrd="0" presId="urn:microsoft.com/office/officeart/2005/8/layout/bProcess4"/>
-    <dgm:cxn modelId="{D16BAA03-7F3E-465D-AAE8-1E3B0A5B62AC}" type="presOf" srcId="{28E38145-96D9-4993-B159-A84877B754AD}" destId="{4873AC42-C336-AE47-8B4D-2F94024B8EBD}" srcOrd="0" destOrd="0" presId="urn:microsoft.com/office/officeart/2005/8/layout/bProcess4"/>
     <dgm:cxn modelId="{C4472A59-3DE6-401A-87A0-62C72F8B575C}" type="presOf" srcId="{BA027FC6-BDC0-4FA1-9FEB-99ED9268A805}" destId="{43424E8C-B4F4-3F4D-9A47-AC0914AF3E51}" srcOrd="0" destOrd="0" presId="urn:microsoft.com/office/officeart/2005/8/layout/bProcess4"/>
     <dgm:cxn modelId="{022FDC97-95A3-4812-92A0-57FC34FF3FE4}" srcId="{28E38145-96D9-4993-B159-A84877B754AD}" destId="{2D71873E-433D-40E3-95EC-832B70FCE2B5}" srcOrd="1" destOrd="0" parTransId="{41451CA0-F484-4CC7-8C81-1B4D0548EA17}" sibTransId="{490F8845-1756-4E28-9B12-9299A28EF59E}"/>
     <dgm:cxn modelId="{E312C251-0CEC-4514-ACF8-8948FBD65446}" type="presOf" srcId="{DCEFF66E-46DF-47E4-A873-DFC381F7890E}" destId="{15003E1D-6564-D241-A064-6F9D0B478476}" srcOrd="0" destOrd="0" presId="urn:microsoft.com/office/officeart/2005/8/layout/bProcess4"/>
     <dgm:cxn modelId="{32EBFFF2-0893-4AB2-805A-1948824371DF}" srcId="{28E38145-96D9-4993-B159-A84877B754AD}" destId="{BA027FC6-BDC0-4FA1-9FEB-99ED9268A805}" srcOrd="4" destOrd="0" parTransId="{9E4B15BD-98B6-4486-9603-F3326262031C}" sibTransId="{BCC66C8C-3A97-41BA-AE31-6E2B5B8423EF}"/>
     <dgm:cxn modelId="{22DCF71E-021D-4491-9079-09A4BFDD65E9}" srcId="{28E38145-96D9-4993-B159-A84877B754AD}" destId="{EBE42135-A9C4-4EC7-A88A-32692E97CFBE}" srcOrd="3" destOrd="0" parTransId="{ABECEEF7-A12C-4096-9300-631F896858CD}" sibTransId="{94E2D768-DFB4-4177-95DA-38C3F93AA698}"/>
     <dgm:cxn modelId="{A8540AE4-9EEB-4AC0-93C1-B30425914314}" type="presOf" srcId="{9D000441-2510-44D4-944B-F979F4447398}" destId="{D991E867-36BF-6745-967E-47BE33D30DED}" srcOrd="0" destOrd="0" presId="urn:microsoft.com/office/officeart/2005/8/layout/bProcess4"/>
+    <dgm:cxn modelId="{0D4E1CA8-7155-4B92-9808-5EA274F663B6}" type="presOf" srcId="{490F8845-1756-4E28-9B12-9299A28EF59E}" destId="{1D01D2EE-5281-4F47-8557-1C3CD7442601}" srcOrd="0" destOrd="0" presId="urn:microsoft.com/office/officeart/2005/8/layout/bProcess4"/>
     <dgm:cxn modelId="{EBFE98C6-6AB4-40D8-8F29-A660F2A7820B}" type="presOf" srcId="{BCC66C8C-3A97-41BA-AE31-6E2B5B8423EF}" destId="{4158F4F7-70E8-0145-99BE-99CF63FFD94F}" srcOrd="0" destOrd="0" presId="urn:microsoft.com/office/officeart/2005/8/layout/bProcess4"/>
-    <dgm:cxn modelId="{0D4E1CA8-7155-4B92-9808-5EA274F663B6}" type="presOf" srcId="{490F8845-1756-4E28-9B12-9299A28EF59E}" destId="{1D01D2EE-5281-4F47-8557-1C3CD7442601}" srcOrd="0" destOrd="0" presId="urn:microsoft.com/office/officeart/2005/8/layout/bProcess4"/>
     <dgm:cxn modelId="{706718A6-6135-482B-A963-041C6B4CDA10}" srcId="{28E38145-96D9-4993-B159-A84877B754AD}" destId="{6882A5BD-D874-4C45-90CF-C0C92C0F6E97}" srcOrd="2" destOrd="0" parTransId="{EE58E1FF-0F2E-46E0-92D7-8119F9C77E54}" sibTransId="{703548AE-E286-471C-AB7A-F298DB6FD6BC}"/>
     <dgm:cxn modelId="{9E619881-F594-475F-B3A6-626B9C04C1EB}" type="presOf" srcId="{1E161BBC-51D3-4DD5-A7AC-5E208B53CB53}" destId="{9E8AA927-4DEE-4542-9B1A-85711C9AEAC5}" srcOrd="0" destOrd="0" presId="urn:microsoft.com/office/officeart/2005/8/layout/bProcess4"/>
     <dgm:cxn modelId="{1871E12B-4E08-4E64-B4BC-B255DA3F8936}" type="presOf" srcId="{703548AE-E286-471C-AB7A-F298DB6FD6BC}" destId="{7D0FE774-05FD-4144-8824-118CD6ECA34C}" srcOrd="0" destOrd="0" presId="urn:microsoft.com/office/officeart/2005/8/layout/bProcess4"/>
@@ -6656,7 +6657,7 @@
           <a:p>
             <a:fld id="{6392EFD8-C68D-4C01-962B-D81BEE90D5DA}" type="datetimeFigureOut">
               <a:rPr lang="es-MX" smtClean="0"/>
-              <a:t>09/09/2019</a:t>
+              <a:t>24/09/2019</a:t>
             </a:fld>
             <a:endParaRPr lang="es-MX"/>
           </a:p>
@@ -7105,7 +7106,7 @@
           <a:p>
             <a:fld id="{B84F09BF-D7C3-41CB-A1B7-67487A411715}" type="datetimeFigureOut">
               <a:rPr lang="es-ES" smtClean="0"/>
-              <a:t>09/09/2019</a:t>
+              <a:t>24/09/2019</a:t>
             </a:fld>
             <a:endParaRPr lang="es-ES"/>
           </a:p>
@@ -7275,7 +7276,7 @@
           <a:p>
             <a:fld id="{B84F09BF-D7C3-41CB-A1B7-67487A411715}" type="datetimeFigureOut">
               <a:rPr lang="es-ES" smtClean="0"/>
-              <a:t>09/09/2019</a:t>
+              <a:t>24/09/2019</a:t>
             </a:fld>
             <a:endParaRPr lang="es-ES"/>
           </a:p>
@@ -7455,7 +7456,7 @@
           <a:p>
             <a:fld id="{B84F09BF-D7C3-41CB-A1B7-67487A411715}" type="datetimeFigureOut">
               <a:rPr lang="es-ES" smtClean="0"/>
-              <a:t>09/09/2019</a:t>
+              <a:t>24/09/2019</a:t>
             </a:fld>
             <a:endParaRPr lang="es-ES"/>
           </a:p>
@@ -7625,7 +7626,7 @@
           <a:p>
             <a:fld id="{B84F09BF-D7C3-41CB-A1B7-67487A411715}" type="datetimeFigureOut">
               <a:rPr lang="es-ES" smtClean="0"/>
-              <a:t>09/09/2019</a:t>
+              <a:t>24/09/2019</a:t>
             </a:fld>
             <a:endParaRPr lang="es-ES"/>
           </a:p>
@@ -7871,7 +7872,7 @@
           <a:p>
             <a:fld id="{B84F09BF-D7C3-41CB-A1B7-67487A411715}" type="datetimeFigureOut">
               <a:rPr lang="es-ES" smtClean="0"/>
-              <a:t>09/09/2019</a:t>
+              <a:t>24/09/2019</a:t>
             </a:fld>
             <a:endParaRPr lang="es-ES"/>
           </a:p>
@@ -8159,7 +8160,7 @@
           <a:p>
             <a:fld id="{B84F09BF-D7C3-41CB-A1B7-67487A411715}" type="datetimeFigureOut">
               <a:rPr lang="es-ES" smtClean="0"/>
-              <a:t>09/09/2019</a:t>
+              <a:t>24/09/2019</a:t>
             </a:fld>
             <a:endParaRPr lang="es-ES"/>
           </a:p>
@@ -8586,7 +8587,7 @@
           <a:p>
             <a:fld id="{B84F09BF-D7C3-41CB-A1B7-67487A411715}" type="datetimeFigureOut">
               <a:rPr lang="es-ES" smtClean="0"/>
-              <a:t>09/09/2019</a:t>
+              <a:t>24/09/2019</a:t>
             </a:fld>
             <a:endParaRPr lang="es-ES"/>
           </a:p>
@@ -8704,7 +8705,7 @@
           <a:p>
             <a:fld id="{B84F09BF-D7C3-41CB-A1B7-67487A411715}" type="datetimeFigureOut">
               <a:rPr lang="es-ES" smtClean="0"/>
-              <a:t>09/09/2019</a:t>
+              <a:t>24/09/2019</a:t>
             </a:fld>
             <a:endParaRPr lang="es-ES"/>
           </a:p>
@@ -8799,7 +8800,7 @@
           <a:p>
             <a:fld id="{B84F09BF-D7C3-41CB-A1B7-67487A411715}" type="datetimeFigureOut">
               <a:rPr lang="es-ES" smtClean="0"/>
-              <a:t>09/09/2019</a:t>
+              <a:t>24/09/2019</a:t>
             </a:fld>
             <a:endParaRPr lang="es-ES"/>
           </a:p>
@@ -9076,7 +9077,7 @@
           <a:p>
             <a:fld id="{B84F09BF-D7C3-41CB-A1B7-67487A411715}" type="datetimeFigureOut">
               <a:rPr lang="es-ES" smtClean="0"/>
-              <a:t>09/09/2019</a:t>
+              <a:t>24/09/2019</a:t>
             </a:fld>
             <a:endParaRPr lang="es-ES"/>
           </a:p>
@@ -9329,7 +9330,7 @@
           <a:p>
             <a:fld id="{B84F09BF-D7C3-41CB-A1B7-67487A411715}" type="datetimeFigureOut">
               <a:rPr lang="es-ES" smtClean="0"/>
-              <a:t>09/09/2019</a:t>
+              <a:t>24/09/2019</a:t>
             </a:fld>
             <a:endParaRPr lang="es-ES"/>
           </a:p>
@@ -9542,7 +9543,7 @@
           <a:p>
             <a:fld id="{B84F09BF-D7C3-41CB-A1B7-67487A411715}" type="datetimeFigureOut">
               <a:rPr lang="es-ES" smtClean="0"/>
-              <a:t>09/09/2019</a:t>
+              <a:t>24/09/2019</a:t>
             </a:fld>
             <a:endParaRPr lang="es-ES"/>
           </a:p>
@@ -10033,6 +10034,50 @@
 </p:sld>
 </file>
 
+<file path=ppt/slides/slide10.xml><?xml version="1.0" encoding="utf-8"?>
+<p:sld xmlns:a="http://schemas.openxmlformats.org/drawingml/2006/main" xmlns:r="http://schemas.openxmlformats.org/officeDocument/2006/relationships" xmlns:p="http://schemas.openxmlformats.org/presentationml/2006/main">
+  <p:cSld>
+    <p:bg>
+      <p:bgPr>
+        <a:blipFill dpi="0" rotWithShape="1">
+          <a:blip r:embed="rId2">
+            <a:lum/>
+          </a:blip>
+          <a:srcRect/>
+          <a:stretch>
+            <a:fillRect/>
+          </a:stretch>
+        </a:blipFill>
+        <a:effectLst/>
+      </p:bgPr>
+    </p:bg>
+    <p:spTree>
+      <p:nvGrpSpPr>
+        <p:cNvPr id="1" name=""/>
+        <p:cNvGrpSpPr/>
+        <p:nvPr/>
+      </p:nvGrpSpPr>
+      <p:grpSpPr>
+        <a:xfrm>
+          <a:off x="0" y="0"/>
+          <a:ext cx="0" cy="0"/>
+          <a:chOff x="0" y="0"/>
+          <a:chExt cx="0" cy="0"/>
+        </a:xfrm>
+      </p:grpSpPr>
+    </p:spTree>
+    <p:extLst>
+      <p:ext uri="{BB962C8B-B14F-4D97-AF65-F5344CB8AC3E}">
+        <p14:creationId xmlns:p14="http://schemas.microsoft.com/office/powerpoint/2010/main" val="1011474152"/>
+      </p:ext>
+    </p:extLst>
+  </p:cSld>
+  <p:clrMapOvr>
+    <a:masterClrMapping/>
+  </p:clrMapOvr>
+</p:sld>
+</file>
+
 <file path=ppt/slides/slide2.xml><?xml version="1.0" encoding="utf-8"?>
 <p:sld xmlns:a="http://schemas.openxmlformats.org/drawingml/2006/main" xmlns:r="http://schemas.openxmlformats.org/officeDocument/2006/relationships" xmlns:p="http://schemas.openxmlformats.org/presentationml/2006/main">
   <p:cSld>
@@ -10076,8 +10121,8 @@
         </p:nvSpPr>
         <p:spPr>
           <a:xfrm>
-            <a:off x="3048000" y="1352550"/>
-            <a:ext cx="6019800" cy="1447800"/>
+            <a:off x="2971800" y="1352550"/>
+            <a:ext cx="6096000" cy="1447800"/>
           </a:xfrm>
         </p:spPr>
         <p:txBody>
@@ -10088,81 +10133,28 @@
           <a:p>
             <a:pPr algn="l"/>
             <a:r>
-              <a:rPr lang="es-ES" sz="4000" b="1" dirty="0">
-                <a:solidFill>
-                  <a:schemeClr val="accent2">
-                    <a:lumMod val="75000"/>
-                  </a:schemeClr>
-                </a:solidFill>
-              </a:rPr>
+              <a:rPr lang="es-ES" sz="4000" b="1" dirty="0"/>
               <a:t>Módulo </a:t>
             </a:r>
             <a:r>
-              <a:rPr lang="es-ES" sz="4000" b="1" dirty="0" smtClean="0">
-                <a:solidFill>
-                  <a:schemeClr val="accent2">
-                    <a:lumMod val="75000"/>
-                  </a:schemeClr>
-                </a:solidFill>
-              </a:rPr>
+              <a:rPr lang="es-ES" sz="4000" b="1" dirty="0"/>
               <a:t>III:</a:t>
             </a:r>
             <a:r>
-              <a:rPr lang="es-MX" sz="4000" b="1" dirty="0">
-                <a:solidFill>
-                  <a:schemeClr val="accent2">
-                    <a:lumMod val="75000"/>
-                  </a:schemeClr>
-                </a:solidFill>
-              </a:rPr>
+              <a:rPr lang="es-MX" sz="4000" b="1" dirty="0"/>
               <a:t/>
             </a:r>
             <a:br>
-              <a:rPr lang="es-MX" sz="4000" b="1" dirty="0">
-                <a:solidFill>
-                  <a:schemeClr val="accent2">
-                    <a:lumMod val="75000"/>
-                  </a:schemeClr>
-                </a:solidFill>
-              </a:rPr>
+              <a:rPr lang="es-MX" sz="4000" b="1" dirty="0"/>
             </a:br>
             <a:r>
-              <a:rPr lang="es-MX" sz="3600" dirty="0" smtClean="0">
-                <a:solidFill>
-                  <a:schemeClr val="accent2">
-                    <a:lumMod val="75000"/>
-                  </a:schemeClr>
-                </a:solidFill>
-              </a:rPr>
+              <a:rPr lang="es-MX" sz="4000" dirty="0"/>
               <a:t>Factores de Riesgo Psicosocial </a:t>
             </a:r>
             <a:r>
-              <a:rPr lang="es-MX" sz="3600" dirty="0">
-                <a:solidFill>
-                  <a:schemeClr val="accent2">
-                    <a:lumMod val="75000"/>
-                  </a:schemeClr>
-                </a:solidFill>
-              </a:rPr>
-              <a:t>en el entorno laboral</a:t>
+              <a:rPr lang="es-MX" sz="4000" dirty="0"/>
+              <a:t>en el entorno laboral </a:t>
             </a:r>
-            <a:r>
-              <a:rPr lang="es-MX" sz="3600" b="1" dirty="0">
-                <a:solidFill>
-                  <a:schemeClr val="accent2">
-                    <a:lumMod val="75000"/>
-                  </a:schemeClr>
-                </a:solidFill>
-              </a:rPr>
-              <a:t> </a:t>
-            </a:r>
-            <a:endParaRPr lang="es-MX" sz="3600" b="1" dirty="0">
-              <a:solidFill>
-                <a:schemeClr val="accent2">
-                  <a:lumMod val="75000"/>
-                </a:schemeClr>
-              </a:solidFill>
-            </a:endParaRPr>
           </a:p>
         </p:txBody>
       </p:sp>
@@ -10428,7 +10420,7 @@
           <p:cNvPr id="6" name="Imagen 5">
             <a:extLst>
               <a:ext uri="{FF2B5EF4-FFF2-40B4-BE49-F238E27FC236}">
-                <a16:creationId xmlns="" xmlns:a16="http://schemas.microsoft.com/office/drawing/2014/main" id="{D02DBF4D-3E68-154F-864F-7AFDF2B34A4B}"/>
+                <a16:creationId xmlns:a16="http://schemas.microsoft.com/office/drawing/2014/main" xmlns="" id="{D02DBF4D-3E68-154F-864F-7AFDF2B34A4B}"/>
               </a:ext>
             </a:extLst>
           </p:cNvPr>
@@ -10719,15 +10711,7 @@
             </a:pPr>
             <a:r>
               <a:rPr lang="es-MX" dirty="0" smtClean="0"/>
-              <a:t>La Organización Internacional del Trabajo los define los Factores de Riesgo Psicosociales </a:t>
-            </a:r>
-            <a:r>
-              <a:rPr lang="es-MX" dirty="0" smtClean="0"/>
-              <a:t>como aquellas </a:t>
-            </a:r>
-            <a:r>
-              <a:rPr lang="es-MX" dirty="0" smtClean="0"/>
-              <a:t>características de las condiciones de trabajo, </a:t>
+              <a:t>La Organización Internacional del Trabajo los define los Factores de Riesgo Psicosociales como aquellas características de las condiciones de trabajo, </a:t>
             </a:r>
             <a:r>
               <a:rPr lang="es-ES" dirty="0" smtClean="0"/>
@@ -11172,7 +11156,7 @@
           <p:cNvPr id="7" name="Marcador de contenido 2">
             <a:extLst>
               <a:ext uri="{FF2B5EF4-FFF2-40B4-BE49-F238E27FC236}">
-                <a16:creationId xmlns="" xmlns:a16="http://schemas.microsoft.com/office/drawing/2014/main" id="{38E8F573-390E-403D-B6D6-A94F58E1A433}"/>
+                <a16:creationId xmlns:a16="http://schemas.microsoft.com/office/drawing/2014/main" xmlns="" id="{38E8F573-390E-403D-B6D6-A94F58E1A433}"/>
               </a:ext>
             </a:extLst>
           </p:cNvPr>
@@ -11248,7 +11232,7 @@
           <p:cNvPr id="10" name="Imagen 9">
             <a:extLst>
               <a:ext uri="{FF2B5EF4-FFF2-40B4-BE49-F238E27FC236}">
-                <a16:creationId xmlns="" xmlns:a16="http://schemas.microsoft.com/office/drawing/2014/main" id="{1B2195A4-8EF4-FE4E-B0B6-ACA9828E6F4E}"/>
+                <a16:creationId xmlns:a16="http://schemas.microsoft.com/office/drawing/2014/main" xmlns="" id="{1B2195A4-8EF4-FE4E-B0B6-ACA9828E6F4E}"/>
               </a:ext>
             </a:extLst>
           </p:cNvPr>
@@ -11372,7 +11356,7 @@
           <p:cNvPr id="7" name="Marcador de contenido 2">
             <a:extLst>
               <a:ext uri="{FF2B5EF4-FFF2-40B4-BE49-F238E27FC236}">
-                <a16:creationId xmlns="" xmlns:a16="http://schemas.microsoft.com/office/drawing/2014/main" id="{38E8F573-390E-403D-B6D6-A94F58E1A433}"/>
+                <a16:creationId xmlns:a16="http://schemas.microsoft.com/office/drawing/2014/main" xmlns="" id="{38E8F573-390E-403D-B6D6-A94F58E1A433}"/>
               </a:ext>
             </a:extLst>
           </p:cNvPr>
@@ -11448,7 +11432,7 @@
           <p:cNvPr id="11" name="Imagen 10">
             <a:extLst>
               <a:ext uri="{FF2B5EF4-FFF2-40B4-BE49-F238E27FC236}">
-                <a16:creationId xmlns="" xmlns:a16="http://schemas.microsoft.com/office/drawing/2014/main" id="{1B2195A4-8EF4-FE4E-B0B6-ACA9828E6F4E}"/>
+                <a16:creationId xmlns:a16="http://schemas.microsoft.com/office/drawing/2014/main" xmlns="" id="{1B2195A4-8EF4-FE4E-B0B6-ACA9828E6F4E}"/>
               </a:ext>
             </a:extLst>
           </p:cNvPr>
@@ -11557,6 +11541,456 @@
         </p:nvSpPr>
         <p:spPr/>
         <p:txBody>
+          <a:bodyPr>
+            <a:normAutofit lnSpcReduction="10000"/>
+          </a:bodyPr>
+          <a:lstStyle/>
+          <a:p>
+            <a:r>
+              <a:rPr lang="es-MX" dirty="0" smtClean="0">
+                <a:solidFill>
+                  <a:schemeClr val="tx2">
+                    <a:lumMod val="50000"/>
+                  </a:schemeClr>
+                </a:solidFill>
+              </a:rPr>
+              <a:t>Respuestas psicológicas y de conducta poco adaptativas</a:t>
+            </a:r>
+          </a:p>
+          <a:p>
+            <a:r>
+              <a:rPr lang="es-MX" dirty="0" smtClean="0">
+                <a:solidFill>
+                  <a:schemeClr val="tx2">
+                    <a:lumMod val="50000"/>
+                  </a:schemeClr>
+                </a:solidFill>
+              </a:rPr>
+              <a:t>Reacciones neurofisiológicas nocivas</a:t>
+            </a:r>
+          </a:p>
+          <a:p>
+            <a:r>
+              <a:rPr lang="es-MX" dirty="0" smtClean="0">
+                <a:solidFill>
+                  <a:schemeClr val="tx2">
+                    <a:lumMod val="50000"/>
+                  </a:schemeClr>
+                </a:solidFill>
+              </a:rPr>
+              <a:t>Reacciones metabólicas y </a:t>
+            </a:r>
+            <a:r>
+              <a:rPr lang="es-MX" dirty="0" err="1" smtClean="0">
+                <a:solidFill>
+                  <a:schemeClr val="tx2">
+                    <a:lumMod val="50000"/>
+                  </a:schemeClr>
+                </a:solidFill>
+              </a:rPr>
+              <a:t>neurohormonales</a:t>
+            </a:r>
+            <a:endParaRPr lang="es-MX" dirty="0" smtClean="0">
+              <a:solidFill>
+                <a:schemeClr val="tx2">
+                  <a:lumMod val="50000"/>
+                </a:schemeClr>
+              </a:solidFill>
+            </a:endParaRPr>
+          </a:p>
+          <a:p>
+            <a:r>
+              <a:rPr lang="es-MX" dirty="0" smtClean="0">
+                <a:solidFill>
+                  <a:schemeClr val="tx2">
+                    <a:lumMod val="50000"/>
+                  </a:schemeClr>
+                </a:solidFill>
+              </a:rPr>
+              <a:t>Trastornos mentales</a:t>
+            </a:r>
+          </a:p>
+          <a:p>
+            <a:r>
+              <a:rPr lang="es-MX" dirty="0" smtClean="0">
+                <a:solidFill>
+                  <a:schemeClr val="tx2">
+                    <a:lumMod val="50000"/>
+                  </a:schemeClr>
+                </a:solidFill>
+              </a:rPr>
+              <a:t>Enfermedades Psicosomáticas</a:t>
+            </a:r>
+          </a:p>
+          <a:p>
+            <a:endParaRPr lang="es-MX" dirty="0" smtClean="0"/>
+          </a:p>
+          <a:p>
+            <a:endParaRPr lang="es-MX" dirty="0"/>
+          </a:p>
+        </p:txBody>
+      </p:sp>
+      <p:sp>
+        <p:nvSpPr>
+          <p:cNvPr id="6" name="Título 1"/>
+          <p:cNvSpPr txBox="1">
+            <a:spLocks/>
+          </p:cNvSpPr>
+          <p:nvPr/>
+        </p:nvSpPr>
+        <p:spPr>
+          <a:xfrm>
+            <a:off x="152400" y="236613"/>
+            <a:ext cx="8534400" cy="857250"/>
+          </a:xfrm>
+          <a:prstGeom prst="rect">
+            <a:avLst/>
+          </a:prstGeom>
+        </p:spPr>
+        <p:txBody>
+          <a:bodyPr vert="horz" lIns="91440" tIns="45720" rIns="91440" bIns="45720" rtlCol="0" anchor="ctr">
+            <a:noAutofit/>
+          </a:bodyPr>
+          <a:lstStyle>
+            <a:lvl1pPr algn="ctr" defTabSz="914400" rtl="0" eaLnBrk="1" latinLnBrk="0" hangingPunct="1">
+              <a:spcBef>
+                <a:spcPct val="0"/>
+              </a:spcBef>
+              <a:buNone/>
+              <a:defRPr sz="4400" kern="1200">
+                <a:solidFill>
+                  <a:schemeClr val="tx1"/>
+                </a:solidFill>
+                <a:latin typeface="+mj-lt"/>
+                <a:ea typeface="+mj-ea"/>
+                <a:cs typeface="+mj-cs"/>
+              </a:defRPr>
+            </a:lvl1pPr>
+          </a:lstStyle>
+          <a:p>
+            <a:r>
+              <a:rPr lang="es-ES" sz="2500" b="1" dirty="0" smtClean="0"/>
+              <a:t>El impacto </a:t>
+            </a:r>
+            <a:r>
+              <a:rPr lang="es-ES" sz="2500" b="1" dirty="0" smtClean="0"/>
+              <a:t>del Estrés e</a:t>
+            </a:r>
+            <a:r>
+              <a:rPr lang="es-ES" sz="2500" b="1" dirty="0" smtClean="0"/>
+              <a:t>n la Salud</a:t>
+            </a:r>
+            <a:endParaRPr lang="es-MX" sz="2500" b="1" dirty="0"/>
+          </a:p>
+        </p:txBody>
+      </p:sp>
+      <p:sp>
+        <p:nvSpPr>
+          <p:cNvPr id="7" name="Marcador de contenido 2"/>
+          <p:cNvSpPr txBox="1">
+            <a:spLocks/>
+          </p:cNvSpPr>
+          <p:nvPr/>
+        </p:nvSpPr>
+        <p:spPr>
+          <a:xfrm>
+            <a:off x="433493" y="971550"/>
+            <a:ext cx="8229600" cy="3394472"/>
+          </a:xfrm>
+          <a:prstGeom prst="rect">
+            <a:avLst/>
+          </a:prstGeom>
+        </p:spPr>
+        <p:txBody>
+          <a:bodyPr vert="horz" lIns="91440" tIns="45720" rIns="91440" bIns="45720" rtlCol="0">
+            <a:normAutofit/>
+          </a:bodyPr>
+          <a:lstStyle>
+            <a:lvl1pPr marL="342900" indent="-342900" algn="l" defTabSz="914400" rtl="0" eaLnBrk="1" latinLnBrk="0" hangingPunct="1">
+              <a:spcBef>
+                <a:spcPct val="20000"/>
+              </a:spcBef>
+              <a:buFont typeface="Arial" panose="020B0604020202020204" pitchFamily="34" charset="0"/>
+              <a:buChar char="•"/>
+              <a:defRPr sz="3200" kern="1200">
+                <a:solidFill>
+                  <a:schemeClr val="tx1"/>
+                </a:solidFill>
+                <a:latin typeface="+mn-lt"/>
+                <a:ea typeface="+mn-ea"/>
+                <a:cs typeface="+mn-cs"/>
+              </a:defRPr>
+            </a:lvl1pPr>
+            <a:lvl2pPr marL="742950" indent="-285750" algn="l" defTabSz="914400" rtl="0" eaLnBrk="1" latinLnBrk="0" hangingPunct="1">
+              <a:spcBef>
+                <a:spcPct val="20000"/>
+              </a:spcBef>
+              <a:buFont typeface="Arial" panose="020B0604020202020204" pitchFamily="34" charset="0"/>
+              <a:buChar char="–"/>
+              <a:defRPr sz="2800" kern="1200">
+                <a:solidFill>
+                  <a:schemeClr val="tx1"/>
+                </a:solidFill>
+                <a:latin typeface="+mn-lt"/>
+                <a:ea typeface="+mn-ea"/>
+                <a:cs typeface="+mn-cs"/>
+              </a:defRPr>
+            </a:lvl2pPr>
+            <a:lvl3pPr marL="1143000" indent="-228600" algn="l" defTabSz="914400" rtl="0" eaLnBrk="1" latinLnBrk="0" hangingPunct="1">
+              <a:spcBef>
+                <a:spcPct val="20000"/>
+              </a:spcBef>
+              <a:buFont typeface="Arial" panose="020B0604020202020204" pitchFamily="34" charset="0"/>
+              <a:buChar char="•"/>
+              <a:defRPr sz="2400" kern="1200">
+                <a:solidFill>
+                  <a:schemeClr val="tx1"/>
+                </a:solidFill>
+                <a:latin typeface="+mn-lt"/>
+                <a:ea typeface="+mn-ea"/>
+                <a:cs typeface="+mn-cs"/>
+              </a:defRPr>
+            </a:lvl3pPr>
+            <a:lvl4pPr marL="1600200" indent="-228600" algn="l" defTabSz="914400" rtl="0" eaLnBrk="1" latinLnBrk="0" hangingPunct="1">
+              <a:spcBef>
+                <a:spcPct val="20000"/>
+              </a:spcBef>
+              <a:buFont typeface="Arial" panose="020B0604020202020204" pitchFamily="34" charset="0"/>
+              <a:buChar char="–"/>
+              <a:defRPr sz="2000" kern="1200">
+                <a:solidFill>
+                  <a:schemeClr val="tx1"/>
+                </a:solidFill>
+                <a:latin typeface="+mn-lt"/>
+                <a:ea typeface="+mn-ea"/>
+                <a:cs typeface="+mn-cs"/>
+              </a:defRPr>
+            </a:lvl4pPr>
+            <a:lvl5pPr marL="2057400" indent="-228600" algn="l" defTabSz="914400" rtl="0" eaLnBrk="1" latinLnBrk="0" hangingPunct="1">
+              <a:spcBef>
+                <a:spcPct val="20000"/>
+              </a:spcBef>
+              <a:buFont typeface="Arial" panose="020B0604020202020204" pitchFamily="34" charset="0"/>
+              <a:buChar char="»"/>
+              <a:defRPr sz="2000" kern="1200">
+                <a:solidFill>
+                  <a:schemeClr val="tx1"/>
+                </a:solidFill>
+                <a:latin typeface="+mn-lt"/>
+                <a:ea typeface="+mn-ea"/>
+                <a:cs typeface="+mn-cs"/>
+              </a:defRPr>
+            </a:lvl5pPr>
+            <a:lvl6pPr marL="2514600" indent="-228600" algn="l" defTabSz="914400" rtl="0" eaLnBrk="1" latinLnBrk="0" hangingPunct="1">
+              <a:spcBef>
+                <a:spcPct val="20000"/>
+              </a:spcBef>
+              <a:buFont typeface="Arial" panose="020B0604020202020204" pitchFamily="34" charset="0"/>
+              <a:buChar char="•"/>
+              <a:defRPr sz="2000" kern="1200">
+                <a:solidFill>
+                  <a:schemeClr val="tx1"/>
+                </a:solidFill>
+                <a:latin typeface="+mn-lt"/>
+                <a:ea typeface="+mn-ea"/>
+                <a:cs typeface="+mn-cs"/>
+              </a:defRPr>
+            </a:lvl6pPr>
+            <a:lvl7pPr marL="2971800" indent="-228600" algn="l" defTabSz="914400" rtl="0" eaLnBrk="1" latinLnBrk="0" hangingPunct="1">
+              <a:spcBef>
+                <a:spcPct val="20000"/>
+              </a:spcBef>
+              <a:buFont typeface="Arial" panose="020B0604020202020204" pitchFamily="34" charset="0"/>
+              <a:buChar char="•"/>
+              <a:defRPr sz="2000" kern="1200">
+                <a:solidFill>
+                  <a:schemeClr val="tx1"/>
+                </a:solidFill>
+                <a:latin typeface="+mn-lt"/>
+                <a:ea typeface="+mn-ea"/>
+                <a:cs typeface="+mn-cs"/>
+              </a:defRPr>
+            </a:lvl7pPr>
+            <a:lvl8pPr marL="3429000" indent="-228600" algn="l" defTabSz="914400" rtl="0" eaLnBrk="1" latinLnBrk="0" hangingPunct="1">
+              <a:spcBef>
+                <a:spcPct val="20000"/>
+              </a:spcBef>
+              <a:buFont typeface="Arial" panose="020B0604020202020204" pitchFamily="34" charset="0"/>
+              <a:buChar char="•"/>
+              <a:defRPr sz="2000" kern="1200">
+                <a:solidFill>
+                  <a:schemeClr val="tx1"/>
+                </a:solidFill>
+                <a:latin typeface="+mn-lt"/>
+                <a:ea typeface="+mn-ea"/>
+                <a:cs typeface="+mn-cs"/>
+              </a:defRPr>
+            </a:lvl8pPr>
+            <a:lvl9pPr marL="3886200" indent="-228600" algn="l" defTabSz="914400" rtl="0" eaLnBrk="1" latinLnBrk="0" hangingPunct="1">
+              <a:spcBef>
+                <a:spcPct val="20000"/>
+              </a:spcBef>
+              <a:buFont typeface="Arial" panose="020B0604020202020204" pitchFamily="34" charset="0"/>
+              <a:buChar char="•"/>
+              <a:defRPr sz="2000" kern="1200">
+                <a:solidFill>
+                  <a:schemeClr val="tx1"/>
+                </a:solidFill>
+                <a:latin typeface="+mn-lt"/>
+                <a:ea typeface="+mn-ea"/>
+                <a:cs typeface="+mn-cs"/>
+              </a:defRPr>
+            </a:lvl9pPr>
+          </a:lstStyle>
+          <a:p>
+            <a:pPr marL="19050" indent="0" algn="just">
+              <a:buNone/>
+            </a:pPr>
+            <a:endParaRPr lang="es-MX" sz="2000" dirty="0">
+              <a:solidFill>
+                <a:schemeClr val="tx2">
+                  <a:lumMod val="50000"/>
+                </a:schemeClr>
+              </a:solidFill>
+            </a:endParaRPr>
+          </a:p>
+        </p:txBody>
+      </p:sp>
+      <p:sp>
+        <p:nvSpPr>
+          <p:cNvPr id="3" name="Rectángulo 2"/>
+          <p:cNvSpPr/>
+          <p:nvPr/>
+        </p:nvSpPr>
+        <p:spPr>
+          <a:xfrm>
+            <a:off x="5486400" y="4366022"/>
+            <a:ext cx="2362200" cy="415528"/>
+          </a:xfrm>
+          <a:prstGeom prst="rect">
+            <a:avLst/>
+          </a:prstGeom>
+        </p:spPr>
+        <p:style>
+          <a:lnRef idx="2">
+            <a:schemeClr val="accent1">
+              <a:shade val="50000"/>
+            </a:schemeClr>
+          </a:lnRef>
+          <a:fillRef idx="1">
+            <a:schemeClr val="accent1"/>
+          </a:fillRef>
+          <a:effectRef idx="0">
+            <a:schemeClr val="accent1"/>
+          </a:effectRef>
+          <a:fontRef idx="minor">
+            <a:schemeClr val="lt1"/>
+          </a:fontRef>
+        </p:style>
+        <p:txBody>
+          <a:bodyPr rtlCol="0" anchor="ctr"/>
+          <a:lstStyle/>
+          <a:p>
+            <a:pPr algn="ctr"/>
+            <a:r>
+              <a:rPr lang="es-MX" dirty="0" smtClean="0"/>
+              <a:t>*Lecturas obligatorias</a:t>
+            </a:r>
+            <a:endParaRPr lang="es-MX" dirty="0"/>
+          </a:p>
+        </p:txBody>
+      </p:sp>
+    </p:spTree>
+    <p:extLst>
+      <p:ext uri="{BB962C8B-B14F-4D97-AF65-F5344CB8AC3E}">
+        <p14:creationId xmlns:p14="http://schemas.microsoft.com/office/powerpoint/2010/main" val="919498522"/>
+      </p:ext>
+    </p:extLst>
+  </p:cSld>
+  <p:clrMapOvr>
+    <a:masterClrMapping/>
+  </p:clrMapOvr>
+  <p:timing>
+    <p:tnLst>
+      <p:par>
+        <p:cTn id="1" dur="indefinite" restart="never" nodeType="tmRoot"/>
+      </p:par>
+    </p:tnLst>
+  </p:timing>
+</p:sld>
+</file>
+
+<file path=ppt/slides/slide9.xml><?xml version="1.0" encoding="utf-8"?>
+<p:sld xmlns:a="http://schemas.openxmlformats.org/drawingml/2006/main" xmlns:r="http://schemas.openxmlformats.org/officeDocument/2006/relationships" xmlns:p="http://schemas.openxmlformats.org/presentationml/2006/main">
+  <p:cSld>
+    <p:bg>
+      <p:bgPr>
+        <a:blipFill dpi="0" rotWithShape="1">
+          <a:blip r:embed="rId2">
+            <a:lum/>
+          </a:blip>
+          <a:srcRect/>
+          <a:stretch>
+            <a:fillRect/>
+          </a:stretch>
+        </a:blipFill>
+        <a:effectLst/>
+      </p:bgPr>
+    </p:bg>
+    <p:spTree>
+      <p:nvGrpSpPr>
+        <p:cNvPr id="1" name=""/>
+        <p:cNvGrpSpPr/>
+        <p:nvPr/>
+      </p:nvGrpSpPr>
+      <p:grpSpPr>
+        <a:xfrm>
+          <a:off x="0" y="0"/>
+          <a:ext cx="0" cy="0"/>
+          <a:chOff x="0" y="0"/>
+          <a:chExt cx="0" cy="0"/>
+        </a:xfrm>
+      </p:grpSpPr>
+      <p:sp>
+        <p:nvSpPr>
+          <p:cNvPr id="2" name="Título 1"/>
+          <p:cNvSpPr>
+            <a:spLocks noGrp="1"/>
+          </p:cNvSpPr>
+          <p:nvPr>
+            <p:ph type="title"/>
+          </p:nvPr>
+        </p:nvSpPr>
+        <p:spPr/>
+        <p:txBody>
+          <a:bodyPr>
+            <a:normAutofit fontScale="90000"/>
+          </a:bodyPr>
+          <a:lstStyle/>
+          <a:p>
+            <a:r>
+              <a:rPr lang="es-MX" dirty="0" smtClean="0"/>
+              <a:t/>
+            </a:r>
+            <a:br>
+              <a:rPr lang="es-MX" dirty="0" smtClean="0"/>
+            </a:br>
+            <a:endParaRPr lang="es-MX" dirty="0"/>
+          </a:p>
+        </p:txBody>
+      </p:sp>
+      <p:sp>
+        <p:nvSpPr>
+          <p:cNvPr id="5" name="Marcador de contenido 4"/>
+          <p:cNvSpPr>
+            <a:spLocks noGrp="1"/>
+          </p:cNvSpPr>
+          <p:nvPr>
+            <p:ph idx="1"/>
+          </p:nvPr>
+        </p:nvSpPr>
+        <p:spPr/>
+        <p:txBody>
           <a:bodyPr/>
           <a:lstStyle/>
           <a:p>
@@ -11643,6 +12077,11 @@
               <a:rPr lang="es-ES" sz="2500" b="1" dirty="0" smtClean="0"/>
               <a:t> </a:t>
             </a:r>
+            <a:r>
+              <a:rPr lang="es-ES" sz="2500" b="1" dirty="0" smtClean="0"/>
+              <a:t>con otras enfermedades</a:t>
+            </a:r>
+            <a:endParaRPr lang="es-ES" sz="2500" b="1" dirty="0" smtClean="0"/>
           </a:p>
           <a:p>
             <a:r>
@@ -11656,7 +12095,7 @@
     </p:spTree>
     <p:extLst>
       <p:ext uri="{BB962C8B-B14F-4D97-AF65-F5344CB8AC3E}">
-        <p14:creationId xmlns:p14="http://schemas.microsoft.com/office/powerpoint/2010/main" val="919498522"/>
+        <p14:creationId xmlns:p14="http://schemas.microsoft.com/office/powerpoint/2010/main" val="4012014922"/>
       </p:ext>
     </p:extLst>
   </p:cSld>
@@ -11670,50 +12109,6 @@
       </p:par>
     </p:tnLst>
   </p:timing>
-</p:sld>
-</file>
-
-<file path=ppt/slides/slide9.xml><?xml version="1.0" encoding="utf-8"?>
-<p:sld xmlns:a="http://schemas.openxmlformats.org/drawingml/2006/main" xmlns:r="http://schemas.openxmlformats.org/officeDocument/2006/relationships" xmlns:p="http://schemas.openxmlformats.org/presentationml/2006/main">
-  <p:cSld>
-    <p:bg>
-      <p:bgPr>
-        <a:blipFill dpi="0" rotWithShape="1">
-          <a:blip r:embed="rId2">
-            <a:lum/>
-          </a:blip>
-          <a:srcRect/>
-          <a:stretch>
-            <a:fillRect/>
-          </a:stretch>
-        </a:blipFill>
-        <a:effectLst/>
-      </p:bgPr>
-    </p:bg>
-    <p:spTree>
-      <p:nvGrpSpPr>
-        <p:cNvPr id="1" name=""/>
-        <p:cNvGrpSpPr/>
-        <p:nvPr/>
-      </p:nvGrpSpPr>
-      <p:grpSpPr>
-        <a:xfrm>
-          <a:off x="0" y="0"/>
-          <a:ext cx="0" cy="0"/>
-          <a:chOff x="0" y="0"/>
-          <a:chExt cx="0" cy="0"/>
-        </a:xfrm>
-      </p:grpSpPr>
-    </p:spTree>
-    <p:extLst>
-      <p:ext uri="{BB962C8B-B14F-4D97-AF65-F5344CB8AC3E}">
-        <p14:creationId xmlns:p14="http://schemas.microsoft.com/office/powerpoint/2010/main" val="1011474152"/>
-      </p:ext>
-    </p:extLst>
-  </p:cSld>
-  <p:clrMapOvr>
-    <a:masterClrMapping/>
-  </p:clrMapOvr>
 </p:sld>
 </file>
 
